--- a/Abbildungen/Flux Kopie 4.pptx
+++ b/Abbildungen/Flux Kopie 4.pptx
@@ -197,7 +197,7 @@
           <a:p>
             <a:fld id="{B4FB2131-93BF-BC44-B00B-3FB86A347CA6}" type="datetimeFigureOut">
               <a:rPr lang="en-GB" smtClean="0"/>
-              <a:t>08/01/2026</a:t>
+              <a:t>12/01/2026</a:t>
             </a:fld>
             <a:endParaRPr lang="en-GB"/>
           </a:p>
@@ -685,7 +685,7 @@
           <a:p>
             <a:fld id="{0670DAA9-D872-7549-A01D-4215341119AE}" type="datetimeFigureOut">
               <a:rPr lang="en-GB" smtClean="0"/>
-              <a:t>08/01/2026</a:t>
+              <a:t>12/01/2026</a:t>
             </a:fld>
             <a:endParaRPr lang="en-GB"/>
           </a:p>
@@ -855,7 +855,7 @@
           <a:p>
             <a:fld id="{0670DAA9-D872-7549-A01D-4215341119AE}" type="datetimeFigureOut">
               <a:rPr lang="en-GB" smtClean="0"/>
-              <a:t>08/01/2026</a:t>
+              <a:t>12/01/2026</a:t>
             </a:fld>
             <a:endParaRPr lang="en-GB"/>
           </a:p>
@@ -1035,7 +1035,7 @@
           <a:p>
             <a:fld id="{0670DAA9-D872-7549-A01D-4215341119AE}" type="datetimeFigureOut">
               <a:rPr lang="en-GB" smtClean="0"/>
-              <a:t>08/01/2026</a:t>
+              <a:t>12/01/2026</a:t>
             </a:fld>
             <a:endParaRPr lang="en-GB"/>
           </a:p>
@@ -1205,7 +1205,7 @@
           <a:p>
             <a:fld id="{0670DAA9-D872-7549-A01D-4215341119AE}" type="datetimeFigureOut">
               <a:rPr lang="en-GB" smtClean="0"/>
-              <a:t>08/01/2026</a:t>
+              <a:t>12/01/2026</a:t>
             </a:fld>
             <a:endParaRPr lang="en-GB"/>
           </a:p>
@@ -1451,7 +1451,7 @@
           <a:p>
             <a:fld id="{0670DAA9-D872-7549-A01D-4215341119AE}" type="datetimeFigureOut">
               <a:rPr lang="en-GB" smtClean="0"/>
-              <a:t>08/01/2026</a:t>
+              <a:t>12/01/2026</a:t>
             </a:fld>
             <a:endParaRPr lang="en-GB"/>
           </a:p>
@@ -1683,7 +1683,7 @@
           <a:p>
             <a:fld id="{0670DAA9-D872-7549-A01D-4215341119AE}" type="datetimeFigureOut">
               <a:rPr lang="en-GB" smtClean="0"/>
-              <a:t>08/01/2026</a:t>
+              <a:t>12/01/2026</a:t>
             </a:fld>
             <a:endParaRPr lang="en-GB"/>
           </a:p>
@@ -2050,7 +2050,7 @@
           <a:p>
             <a:fld id="{0670DAA9-D872-7549-A01D-4215341119AE}" type="datetimeFigureOut">
               <a:rPr lang="en-GB" smtClean="0"/>
-              <a:t>08/01/2026</a:t>
+              <a:t>12/01/2026</a:t>
             </a:fld>
             <a:endParaRPr lang="en-GB"/>
           </a:p>
@@ -2168,7 +2168,7 @@
           <a:p>
             <a:fld id="{0670DAA9-D872-7549-A01D-4215341119AE}" type="datetimeFigureOut">
               <a:rPr lang="en-GB" smtClean="0"/>
-              <a:t>08/01/2026</a:t>
+              <a:t>12/01/2026</a:t>
             </a:fld>
             <a:endParaRPr lang="en-GB"/>
           </a:p>
@@ -2263,7 +2263,7 @@
           <a:p>
             <a:fld id="{0670DAA9-D872-7549-A01D-4215341119AE}" type="datetimeFigureOut">
               <a:rPr lang="en-GB" smtClean="0"/>
-              <a:t>08/01/2026</a:t>
+              <a:t>12/01/2026</a:t>
             </a:fld>
             <a:endParaRPr lang="en-GB"/>
           </a:p>
@@ -2540,7 +2540,7 @@
           <a:p>
             <a:fld id="{0670DAA9-D872-7549-A01D-4215341119AE}" type="datetimeFigureOut">
               <a:rPr lang="en-GB" smtClean="0"/>
-              <a:t>08/01/2026</a:t>
+              <a:t>12/01/2026</a:t>
             </a:fld>
             <a:endParaRPr lang="en-GB"/>
           </a:p>
@@ -2797,7 +2797,7 @@
           <a:p>
             <a:fld id="{0670DAA9-D872-7549-A01D-4215341119AE}" type="datetimeFigureOut">
               <a:rPr lang="en-GB" smtClean="0"/>
-              <a:t>08/01/2026</a:t>
+              <a:t>12/01/2026</a:t>
             </a:fld>
             <a:endParaRPr lang="en-GB"/>
           </a:p>
@@ -3010,7 +3010,7 @@
           <a:p>
             <a:fld id="{0670DAA9-D872-7549-A01D-4215341119AE}" type="datetimeFigureOut">
               <a:rPr lang="en-GB" smtClean="0"/>
-              <a:t>08/01/2026</a:t>
+              <a:t>12/01/2026</a:t>
             </a:fld>
             <a:endParaRPr lang="en-GB"/>
           </a:p>
@@ -8392,7 +8392,7 @@
             </p:nvSpPr>
             <p:spPr>
               <a:xfrm rot="16200000">
-                <a:off x="14843691" y="15606000"/>
+                <a:off x="14845337" y="15606000"/>
                 <a:ext cx="878400" cy="276999"/>
               </a:xfrm>
               <a:prstGeom prst="rect">
@@ -8865,6 +8865,41 @@
           </p:txBody>
         </p:sp>
       </p:grpSp>
+      <p:sp>
+        <p:nvSpPr>
+          <p:cNvPr id="3" name="Textfeld 2">
+            <a:extLst>
+              <a:ext uri="{FF2B5EF4-FFF2-40B4-BE49-F238E27FC236}">
+                <a16:creationId xmlns:a16="http://schemas.microsoft.com/office/drawing/2014/main" id="{2A372789-BEFB-3F7C-4066-BA2EF95EACF0}"/>
+              </a:ext>
+            </a:extLst>
+          </p:cNvPr>
+          <p:cNvSpPr txBox="1"/>
+          <p:nvPr/>
+        </p:nvSpPr>
+        <p:spPr>
+          <a:xfrm rot="16200000">
+            <a:off x="14068985" y="12935989"/>
+            <a:ext cx="1015021" cy="276999"/>
+          </a:xfrm>
+          <a:prstGeom prst="rect">
+            <a:avLst/>
+          </a:prstGeom>
+          <a:noFill/>
+        </p:spPr>
+        <p:txBody>
+          <a:bodyPr wrap="none" rtlCol="0">
+            <a:spAutoFit/>
+          </a:bodyPr>
+          <a:lstStyle/>
+          <a:p>
+            <a:r>
+              <a:rPr lang="en-GB" sz="1200" dirty="0"/>
+              <a:t>(1,512,3072)</a:t>
+            </a:r>
+          </a:p>
+        </p:txBody>
+      </p:sp>
     </p:spTree>
     <p:extLst>
       <p:ext uri="{BB962C8B-B14F-4D97-AF65-F5344CB8AC3E}">
